--- a/assets/tactile_image_files/0016-types_of_unconformities/0016-types_of_unconformities.pptx
+++ b/assets/tactile_image_files/0016-types_of_unconformities/0016-types_of_unconformities.pptx
@@ -198,7 +198,7 @@
           </a:lstStyle>
           <a:p>
             <a:fld id="{DC880F74-5F87-E94E-8AEF-72C270124CC0}" type="datetimeFigureOut">
-              <a:t>7/23/20</a:t>
+              <a:t>12/18/20</a:t>
             </a:fld>
             <a:endParaRPr lang="en-US"/>
           </a:p>
@@ -603,7 +603,7 @@
           <a:p>
             <a:fld id="{E796F801-3BB8-A247-923B-F07F1B58D38A}" type="datetimeFigureOut">
               <a:rPr lang="en-US" smtClean="0"/>
-              <a:t>7/23/20</a:t>
+              <a:t>12/18/20</a:t>
             </a:fld>
             <a:endParaRPr lang="en-US"/>
           </a:p>
@@ -783,7 +783,7 @@
           <a:p>
             <a:fld id="{E796F801-3BB8-A247-923B-F07F1B58D38A}" type="datetimeFigureOut">
               <a:rPr lang="en-US" smtClean="0"/>
-              <a:t>7/23/20</a:t>
+              <a:t>12/18/20</a:t>
             </a:fld>
             <a:endParaRPr lang="en-US"/>
           </a:p>
@@ -953,7 +953,7 @@
           <a:p>
             <a:fld id="{E796F801-3BB8-A247-923B-F07F1B58D38A}" type="datetimeFigureOut">
               <a:rPr lang="en-US" smtClean="0"/>
-              <a:t>7/23/20</a:t>
+              <a:t>12/18/20</a:t>
             </a:fld>
             <a:endParaRPr lang="en-US"/>
           </a:p>
@@ -1197,7 +1197,7 @@
           <a:p>
             <a:fld id="{E796F801-3BB8-A247-923B-F07F1B58D38A}" type="datetimeFigureOut">
               <a:rPr lang="en-US" smtClean="0"/>
-              <a:t>7/23/20</a:t>
+              <a:t>12/18/20</a:t>
             </a:fld>
             <a:endParaRPr lang="en-US"/>
           </a:p>
@@ -1429,7 +1429,7 @@
           <a:p>
             <a:fld id="{E796F801-3BB8-A247-923B-F07F1B58D38A}" type="datetimeFigureOut">
               <a:rPr lang="en-US" smtClean="0"/>
-              <a:t>7/23/20</a:t>
+              <a:t>12/18/20</a:t>
             </a:fld>
             <a:endParaRPr lang="en-US"/>
           </a:p>
@@ -1796,7 +1796,7 @@
           <a:p>
             <a:fld id="{E796F801-3BB8-A247-923B-F07F1B58D38A}" type="datetimeFigureOut">
               <a:rPr lang="en-US" smtClean="0"/>
-              <a:t>7/23/20</a:t>
+              <a:t>12/18/20</a:t>
             </a:fld>
             <a:endParaRPr lang="en-US"/>
           </a:p>
@@ -1914,7 +1914,7 @@
           <a:p>
             <a:fld id="{E796F801-3BB8-A247-923B-F07F1B58D38A}" type="datetimeFigureOut">
               <a:rPr lang="en-US" smtClean="0"/>
-              <a:t>7/23/20</a:t>
+              <a:t>12/18/20</a:t>
             </a:fld>
             <a:endParaRPr lang="en-US"/>
           </a:p>
@@ -2009,7 +2009,7 @@
           <a:p>
             <a:fld id="{E796F801-3BB8-A247-923B-F07F1B58D38A}" type="datetimeFigureOut">
               <a:rPr lang="en-US" smtClean="0"/>
-              <a:t>7/23/20</a:t>
+              <a:t>12/18/20</a:t>
             </a:fld>
             <a:endParaRPr lang="en-US"/>
           </a:p>
@@ -2286,7 +2286,7 @@
           <a:p>
             <a:fld id="{E796F801-3BB8-A247-923B-F07F1B58D38A}" type="datetimeFigureOut">
               <a:rPr lang="en-US" smtClean="0"/>
-              <a:t>7/23/20</a:t>
+              <a:t>12/18/20</a:t>
             </a:fld>
             <a:endParaRPr lang="en-US"/>
           </a:p>
@@ -2543,7 +2543,7 @@
           <a:p>
             <a:fld id="{E796F801-3BB8-A247-923B-F07F1B58D38A}" type="datetimeFigureOut">
               <a:rPr lang="en-US" smtClean="0"/>
-              <a:t>7/23/20</a:t>
+              <a:t>12/18/20</a:t>
             </a:fld>
             <a:endParaRPr lang="en-US"/>
           </a:p>
@@ -2756,7 +2756,7 @@
           <a:p>
             <a:fld id="{E796F801-3BB8-A247-923B-F07F1B58D38A}" type="datetimeFigureOut">
               <a:rPr lang="en-US" smtClean="0"/>
-              <a:t>7/23/20</a:t>
+              <a:t>12/18/20</a:t>
             </a:fld>
             <a:endParaRPr lang="en-US"/>
           </a:p>
@@ -12570,7 +12570,7 @@
         </p:nvSpPr>
         <p:spPr>
           <a:xfrm>
-            <a:off x="212661" y="5657671"/>
+            <a:off x="255192" y="5742732"/>
             <a:ext cx="4444410" cy="830997"/>
           </a:xfrm>
           <a:prstGeom prst="rect">
@@ -17184,6 +17184,58 @@
           </a:fontRef>
         </p:style>
       </p:cxnSp>
+      <p:sp>
+        <p:nvSpPr>
+          <p:cNvPr id="2" name="Rectangle 1">
+            <a:extLst>
+              <a:ext uri="{FF2B5EF4-FFF2-40B4-BE49-F238E27FC236}">
+                <a16:creationId xmlns:a16="http://schemas.microsoft.com/office/drawing/2014/main" id="{DB48413E-B6EE-8246-B4D8-21126FAF8FC9}"/>
+              </a:ext>
+            </a:extLst>
+          </p:cNvPr>
+          <p:cNvSpPr/>
+          <p:nvPr/>
+        </p:nvSpPr>
+        <p:spPr>
+          <a:xfrm>
+            <a:off x="2254102" y="6188149"/>
+            <a:ext cx="1765005" cy="489098"/>
+          </a:xfrm>
+          <a:prstGeom prst="rect">
+            <a:avLst/>
+          </a:prstGeom>
+          <a:solidFill>
+            <a:schemeClr val="bg1"/>
+          </a:solidFill>
+          <a:ln>
+            <a:noFill/>
+          </a:ln>
+        </p:spPr>
+        <p:style>
+          <a:lnRef idx="2">
+            <a:schemeClr val="accent1">
+              <a:shade val="50000"/>
+            </a:schemeClr>
+          </a:lnRef>
+          <a:fillRef idx="1">
+            <a:schemeClr val="accent1"/>
+          </a:fillRef>
+          <a:effectRef idx="0">
+            <a:schemeClr val="accent1"/>
+          </a:effectRef>
+          <a:fontRef idx="minor">
+            <a:schemeClr val="lt1"/>
+          </a:fontRef>
+        </p:style>
+        <p:txBody>
+          <a:bodyPr rtlCol="0" anchor="ctr"/>
+          <a:lstStyle/>
+          <a:p>
+            <a:pPr algn="ctr"/>
+            <a:endParaRPr lang="en-US"/>
+          </a:p>
+        </p:txBody>
+      </p:sp>
     </p:spTree>
     <p:extLst>
       <p:ext uri="{BB962C8B-B14F-4D97-AF65-F5344CB8AC3E}">

--- a/assets/tactile_image_files/0016-types_of_unconformities/0016-types_of_unconformities.pptx
+++ b/assets/tactile_image_files/0016-types_of_unconformities/0016-types_of_unconformities.pptx
@@ -198,7 +198,7 @@
           </a:lstStyle>
           <a:p>
             <a:fld id="{DC880F74-5F87-E94E-8AEF-72C270124CC0}" type="datetimeFigureOut">
-              <a:t>12/18/20</a:t>
+              <a:t>1/7/21</a:t>
             </a:fld>
             <a:endParaRPr lang="en-US"/>
           </a:p>
@@ -603,7 +603,7 @@
           <a:p>
             <a:fld id="{E796F801-3BB8-A247-923B-F07F1B58D38A}" type="datetimeFigureOut">
               <a:rPr lang="en-US" smtClean="0"/>
-              <a:t>12/18/20</a:t>
+              <a:t>1/7/21</a:t>
             </a:fld>
             <a:endParaRPr lang="en-US"/>
           </a:p>
@@ -783,7 +783,7 @@
           <a:p>
             <a:fld id="{E796F801-3BB8-A247-923B-F07F1B58D38A}" type="datetimeFigureOut">
               <a:rPr lang="en-US" smtClean="0"/>
-              <a:t>12/18/20</a:t>
+              <a:t>1/7/21</a:t>
             </a:fld>
             <a:endParaRPr lang="en-US"/>
           </a:p>
@@ -953,7 +953,7 @@
           <a:p>
             <a:fld id="{E796F801-3BB8-A247-923B-F07F1B58D38A}" type="datetimeFigureOut">
               <a:rPr lang="en-US" smtClean="0"/>
-              <a:t>12/18/20</a:t>
+              <a:t>1/7/21</a:t>
             </a:fld>
             <a:endParaRPr lang="en-US"/>
           </a:p>
@@ -1197,7 +1197,7 @@
           <a:p>
             <a:fld id="{E796F801-3BB8-A247-923B-F07F1B58D38A}" type="datetimeFigureOut">
               <a:rPr lang="en-US" smtClean="0"/>
-              <a:t>12/18/20</a:t>
+              <a:t>1/7/21</a:t>
             </a:fld>
             <a:endParaRPr lang="en-US"/>
           </a:p>
@@ -1429,7 +1429,7 @@
           <a:p>
             <a:fld id="{E796F801-3BB8-A247-923B-F07F1B58D38A}" type="datetimeFigureOut">
               <a:rPr lang="en-US" smtClean="0"/>
-              <a:t>12/18/20</a:t>
+              <a:t>1/7/21</a:t>
             </a:fld>
             <a:endParaRPr lang="en-US"/>
           </a:p>
@@ -1796,7 +1796,7 @@
           <a:p>
             <a:fld id="{E796F801-3BB8-A247-923B-F07F1B58D38A}" type="datetimeFigureOut">
               <a:rPr lang="en-US" smtClean="0"/>
-              <a:t>12/18/20</a:t>
+              <a:t>1/7/21</a:t>
             </a:fld>
             <a:endParaRPr lang="en-US"/>
           </a:p>
@@ -1914,7 +1914,7 @@
           <a:p>
             <a:fld id="{E796F801-3BB8-A247-923B-F07F1B58D38A}" type="datetimeFigureOut">
               <a:rPr lang="en-US" smtClean="0"/>
-              <a:t>12/18/20</a:t>
+              <a:t>1/7/21</a:t>
             </a:fld>
             <a:endParaRPr lang="en-US"/>
           </a:p>
@@ -2009,7 +2009,7 @@
           <a:p>
             <a:fld id="{E796F801-3BB8-A247-923B-F07F1B58D38A}" type="datetimeFigureOut">
               <a:rPr lang="en-US" smtClean="0"/>
-              <a:t>12/18/20</a:t>
+              <a:t>1/7/21</a:t>
             </a:fld>
             <a:endParaRPr lang="en-US"/>
           </a:p>
@@ -2286,7 +2286,7 @@
           <a:p>
             <a:fld id="{E796F801-3BB8-A247-923B-F07F1B58D38A}" type="datetimeFigureOut">
               <a:rPr lang="en-US" smtClean="0"/>
-              <a:t>12/18/20</a:t>
+              <a:t>1/7/21</a:t>
             </a:fld>
             <a:endParaRPr lang="en-US"/>
           </a:p>
@@ -2543,7 +2543,7 @@
           <a:p>
             <a:fld id="{E796F801-3BB8-A247-923B-F07F1B58D38A}" type="datetimeFigureOut">
               <a:rPr lang="en-US" smtClean="0"/>
-              <a:t>12/18/20</a:t>
+              <a:t>1/7/21</a:t>
             </a:fld>
             <a:endParaRPr lang="en-US"/>
           </a:p>
@@ -2756,7 +2756,7 @@
           <a:p>
             <a:fld id="{E796F801-3BB8-A247-923B-F07F1B58D38A}" type="datetimeFigureOut">
               <a:rPr lang="en-US" smtClean="0"/>
-              <a:t>12/18/20</a:t>
+              <a:t>1/7/21</a:t>
             </a:fld>
             <a:endParaRPr lang="en-US"/>
           </a:p>
@@ -7930,10 +7930,10 @@
         </p:nvGrpSpPr>
         <p:grpSpPr>
           <a:xfrm>
-            <a:off x="287081" y="223278"/>
-            <a:ext cx="5305654" cy="6379534"/>
-            <a:chOff x="95684" y="-882504"/>
-            <a:chExt cx="5188696" cy="6379534"/>
+            <a:off x="171520" y="223278"/>
+            <a:ext cx="5421215" cy="6379534"/>
+            <a:chOff x="-17330" y="-882504"/>
+            <a:chExt cx="5301710" cy="6379534"/>
           </a:xfrm>
         </p:grpSpPr>
         <p:grpSp>
@@ -9628,8 +9628,8 @@
           </p:nvSpPr>
           <p:spPr>
             <a:xfrm>
-              <a:off x="710543" y="460743"/>
-              <a:ext cx="3231274" cy="461665"/>
+              <a:off x="-17330" y="407580"/>
+              <a:ext cx="4538707" cy="461665"/>
             </a:xfrm>
             <a:prstGeom prst="rect">
               <a:avLst/>
@@ -9646,7 +9646,7 @@
                 <a:rPr lang="en-US" sz="2400">
                   <a:latin typeface="Swell Braille" pitchFamily="49"/>
                 </a:rPr>
-                <a:t>⠁⠝⠛⠥⠇⠜⠀⠥⠝⠒⠿⠍⠰⠽</a:t>
+                <a:t>⠁⠝⠛⠥⠇⠁⠗⠀⠥⠝⠉⠕⠝⠋⠕⠗⠍⠊⠞⠽</a:t>
               </a:r>
             </a:p>
           </p:txBody>
@@ -9737,8 +9737,8 @@
         </p:nvSpPr>
         <p:spPr>
           <a:xfrm flipH="1">
-            <a:off x="2179675" y="239471"/>
-            <a:ext cx="4901610" cy="461665"/>
+            <a:off x="1754373" y="250103"/>
+            <a:ext cx="6039294" cy="461665"/>
           </a:xfrm>
           <a:prstGeom prst="rect">
             <a:avLst/>
@@ -9760,7 +9760,7 @@
                 <a:ea typeface="Braille Normal" charset="0"/>
                 <a:cs typeface="Braille Normal" charset="0"/>
               </a:rPr>
-              <a:t>⠠⠞⠽⠏⠑⠎⠀⠷⠀⠠⠥⠝⠒⠿⠍⠊⠞⠊⠑⠎</a:t>
+              <a:t>⠠⠞⠽⠏⠑⠎⠀⠕⠋⠀⠠⠥⠝⠉⠕⠝⠋⠕⠗⠍⠊⠞⠊⠑⠎</a:t>
             </a:r>
           </a:p>
         </p:txBody>
@@ -9779,10 +9779,10 @@
         </p:nvGrpSpPr>
         <p:grpSpPr>
           <a:xfrm>
-            <a:off x="4903583" y="797444"/>
-            <a:ext cx="3453608" cy="2799907"/>
-            <a:chOff x="4573974" y="3732030"/>
-            <a:chExt cx="3453608" cy="2799907"/>
+            <a:off x="4903583" y="786811"/>
+            <a:ext cx="3453608" cy="2810540"/>
+            <a:chOff x="4573974" y="3721397"/>
+            <a:chExt cx="3453608" cy="2810540"/>
           </a:xfrm>
         </p:grpSpPr>
         <p:grpSp>
@@ -11161,8 +11161,8 @@
           </p:nvSpPr>
           <p:spPr>
             <a:xfrm>
-              <a:off x="5390708" y="3732030"/>
-              <a:ext cx="1967205" cy="461665"/>
+              <a:off x="4720857" y="3721397"/>
+              <a:ext cx="3081293" cy="461665"/>
             </a:xfrm>
             <a:prstGeom prst="rect">
               <a:avLst/>
@@ -11179,7 +11179,7 @@
                 <a:rPr lang="en-US" sz="2400">
                   <a:latin typeface="Swell Braille" pitchFamily="49"/>
                 </a:rPr>
-                <a:t>⠙⠊⠎⠒⠿⠍⠰⠽</a:t>
+                <a:t>⠙⠊⠎⠉⠕⠝⠋⠕⠗⠍⠊⠞⠽</a:t>
               </a:r>
             </a:p>
           </p:txBody>
@@ -11199,10 +11199,10 @@
         </p:nvGrpSpPr>
         <p:grpSpPr>
           <a:xfrm>
-            <a:off x="4960288" y="3781647"/>
-            <a:ext cx="3453608" cy="2831803"/>
-            <a:chOff x="4822065" y="496188"/>
-            <a:chExt cx="3453608" cy="2831803"/>
+            <a:off x="4960288" y="3760382"/>
+            <a:ext cx="3453608" cy="2853068"/>
+            <a:chOff x="4822065" y="474923"/>
+            <a:chExt cx="3453608" cy="2853068"/>
           </a:xfrm>
         </p:grpSpPr>
         <p:grpSp>
@@ -12532,8 +12532,8 @@
           </p:nvSpPr>
           <p:spPr>
             <a:xfrm>
-              <a:off x="5589186" y="496188"/>
-              <a:ext cx="1967205" cy="461665"/>
+              <a:off x="5046926" y="474923"/>
+              <a:ext cx="3081293" cy="461665"/>
             </a:xfrm>
             <a:prstGeom prst="rect">
               <a:avLst/>
@@ -12550,7 +12550,7 @@
                 <a:rPr lang="en-US" sz="2400">
                   <a:latin typeface="Swell Braille" pitchFamily="49"/>
                 </a:rPr>
-                <a:t>⠝⠕⠝⠒⠿⠍⠰⠽</a:t>
+                <a:t>⠝⠕⠝⠉⠕⠝⠋⠕⠗⠍⠊⠞⠽</a:t>
               </a:r>
             </a:p>
           </p:txBody>

--- a/assets/tactile_image_files/0016-types_of_unconformities/0016-types_of_unconformities.pptx
+++ b/assets/tactile_image_files/0016-types_of_unconformities/0016-types_of_unconformities.pptx
@@ -198,7 +198,7 @@
           </a:lstStyle>
           <a:p>
             <a:fld id="{DC880F74-5F87-E94E-8AEF-72C270124CC0}" type="datetimeFigureOut">
-              <a:t>1/7/21</a:t>
+              <a:t>7/9/21</a:t>
             </a:fld>
             <a:endParaRPr lang="en-US"/>
           </a:p>
@@ -603,7 +603,7 @@
           <a:p>
             <a:fld id="{E796F801-3BB8-A247-923B-F07F1B58D38A}" type="datetimeFigureOut">
               <a:rPr lang="en-US" smtClean="0"/>
-              <a:t>1/7/21</a:t>
+              <a:t>7/9/21</a:t>
             </a:fld>
             <a:endParaRPr lang="en-US"/>
           </a:p>
@@ -783,7 +783,7 @@
           <a:p>
             <a:fld id="{E796F801-3BB8-A247-923B-F07F1B58D38A}" type="datetimeFigureOut">
               <a:rPr lang="en-US" smtClean="0"/>
-              <a:t>1/7/21</a:t>
+              <a:t>7/9/21</a:t>
             </a:fld>
             <a:endParaRPr lang="en-US"/>
           </a:p>
@@ -953,7 +953,7 @@
           <a:p>
             <a:fld id="{E796F801-3BB8-A247-923B-F07F1B58D38A}" type="datetimeFigureOut">
               <a:rPr lang="en-US" smtClean="0"/>
-              <a:t>1/7/21</a:t>
+              <a:t>7/9/21</a:t>
             </a:fld>
             <a:endParaRPr lang="en-US"/>
           </a:p>
@@ -1197,7 +1197,7 @@
           <a:p>
             <a:fld id="{E796F801-3BB8-A247-923B-F07F1B58D38A}" type="datetimeFigureOut">
               <a:rPr lang="en-US" smtClean="0"/>
-              <a:t>1/7/21</a:t>
+              <a:t>7/9/21</a:t>
             </a:fld>
             <a:endParaRPr lang="en-US"/>
           </a:p>
@@ -1429,7 +1429,7 @@
           <a:p>
             <a:fld id="{E796F801-3BB8-A247-923B-F07F1B58D38A}" type="datetimeFigureOut">
               <a:rPr lang="en-US" smtClean="0"/>
-              <a:t>1/7/21</a:t>
+              <a:t>7/9/21</a:t>
             </a:fld>
             <a:endParaRPr lang="en-US"/>
           </a:p>
@@ -1796,7 +1796,7 @@
           <a:p>
             <a:fld id="{E796F801-3BB8-A247-923B-F07F1B58D38A}" type="datetimeFigureOut">
               <a:rPr lang="en-US" smtClean="0"/>
-              <a:t>1/7/21</a:t>
+              <a:t>7/9/21</a:t>
             </a:fld>
             <a:endParaRPr lang="en-US"/>
           </a:p>
@@ -1914,7 +1914,7 @@
           <a:p>
             <a:fld id="{E796F801-3BB8-A247-923B-F07F1B58D38A}" type="datetimeFigureOut">
               <a:rPr lang="en-US" smtClean="0"/>
-              <a:t>1/7/21</a:t>
+              <a:t>7/9/21</a:t>
             </a:fld>
             <a:endParaRPr lang="en-US"/>
           </a:p>
@@ -2009,7 +2009,7 @@
           <a:p>
             <a:fld id="{E796F801-3BB8-A247-923B-F07F1B58D38A}" type="datetimeFigureOut">
               <a:rPr lang="en-US" smtClean="0"/>
-              <a:t>1/7/21</a:t>
+              <a:t>7/9/21</a:t>
             </a:fld>
             <a:endParaRPr lang="en-US"/>
           </a:p>
@@ -2286,7 +2286,7 @@
           <a:p>
             <a:fld id="{E796F801-3BB8-A247-923B-F07F1B58D38A}" type="datetimeFigureOut">
               <a:rPr lang="en-US" smtClean="0"/>
-              <a:t>1/7/21</a:t>
+              <a:t>7/9/21</a:t>
             </a:fld>
             <a:endParaRPr lang="en-US"/>
           </a:p>
@@ -2543,7 +2543,7 @@
           <a:p>
             <a:fld id="{E796F801-3BB8-A247-923B-F07F1B58D38A}" type="datetimeFigureOut">
               <a:rPr lang="en-US" smtClean="0"/>
-              <a:t>1/7/21</a:t>
+              <a:t>7/9/21</a:t>
             </a:fld>
             <a:endParaRPr lang="en-US"/>
           </a:p>
@@ -2756,7 +2756,7 @@
           <a:p>
             <a:fld id="{E796F801-3BB8-A247-923B-F07F1B58D38A}" type="datetimeFigureOut">
               <a:rPr lang="en-US" smtClean="0"/>
-              <a:t>1/7/21</a:t>
+              <a:t>7/9/21</a:t>
             </a:fld>
             <a:endParaRPr lang="en-US"/>
           </a:p>
@@ -6569,7 +6569,7 @@
             <a:prstGeom prst="rect">
               <a:avLst/>
             </a:prstGeom>
-            <a:pattFill prst="openDmnd">
+            <a:pattFill prst="lgGrid">
               <a:fgClr>
                 <a:schemeClr val="tx1"/>
               </a:fgClr>
@@ -7930,10 +7930,10 @@
         </p:nvGrpSpPr>
         <p:grpSpPr>
           <a:xfrm>
-            <a:off x="171520" y="223278"/>
-            <a:ext cx="5421215" cy="6379534"/>
-            <a:chOff x="-17330" y="-882504"/>
-            <a:chExt cx="5301710" cy="6379534"/>
+            <a:off x="287081" y="223278"/>
+            <a:ext cx="5305654" cy="6379534"/>
+            <a:chOff x="95684" y="-882504"/>
+            <a:chExt cx="5188696" cy="6379534"/>
           </a:xfrm>
         </p:grpSpPr>
         <p:grpSp>
@@ -9628,8 +9628,8 @@
           </p:nvSpPr>
           <p:spPr>
             <a:xfrm>
-              <a:off x="-17330" y="407580"/>
-              <a:ext cx="4538707" cy="461665"/>
+              <a:off x="401155" y="433345"/>
+              <a:ext cx="3884991" cy="461665"/>
             </a:xfrm>
             <a:prstGeom prst="rect">
               <a:avLst/>
@@ -9643,10 +9643,10 @@
             <a:lstStyle/>
             <a:p>
               <a:r>
-                <a:rPr lang="en-US" sz="2400">
+                <a:rPr lang="en-US" sz="2400" dirty="0">
                   <a:latin typeface="Swell Braille" pitchFamily="49"/>
                 </a:rPr>
-                <a:t>⠁⠝⠛⠥⠇⠁⠗⠀⠥⠝⠉⠕⠝⠋⠕⠗⠍⠊⠞⠽</a:t>
+                <a:t>⠁⠝⠛⠥⠇⠁⠗⠀⠥⠝⠉⠕⠝=⠍;⠽</a:t>
               </a:r>
             </a:p>
           </p:txBody>
@@ -9755,12 +9755,12 @@
           <a:lstStyle/>
           <a:p>
             <a:r>
-              <a:rPr lang="en-US" sz="2400">
+              <a:rPr lang="en-US" sz="2400" dirty="0">
                 <a:latin typeface="Swell Braille" pitchFamily="49"/>
                 <a:ea typeface="Braille Normal" charset="0"/>
                 <a:cs typeface="Braille Normal" charset="0"/>
               </a:rPr>
-              <a:t>⠠⠞⠽⠏⠑⠎⠀⠕⠋⠀⠠⠥⠝⠉⠕⠝⠋⠕⠗⠍⠊⠞⠊⠑⠎</a:t>
+              <a:t>⠠⠞⠽⠏⠑⠎⠀(⠀⠠⠥⠝⠉⠕⠝=⠍⠊⠞⠊⠑⠎</a:t>
             </a:r>
           </a:p>
         </p:txBody>
@@ -11161,8 +11161,8 @@
           </p:nvSpPr>
           <p:spPr>
             <a:xfrm>
-              <a:off x="4720857" y="3721397"/>
-              <a:ext cx="3081293" cy="461665"/>
+              <a:off x="5136593" y="3721397"/>
+              <a:ext cx="2412840" cy="461665"/>
             </a:xfrm>
             <a:prstGeom prst="rect">
               <a:avLst/>
@@ -11176,10 +11176,10 @@
             <a:lstStyle/>
             <a:p>
               <a:r>
-                <a:rPr lang="en-US" sz="2400">
+                <a:rPr lang="en-US" sz="2400" dirty="0">
                   <a:latin typeface="Swell Braille" pitchFamily="49"/>
                 </a:rPr>
-                <a:t>⠙⠊⠎⠉⠕⠝⠋⠕⠗⠍⠊⠞⠽</a:t>
+                <a:t>⠙⠊⠎⠉⠕⠝=⠍;⠽</a:t>
               </a:r>
             </a:p>
           </p:txBody>
@@ -11299,7 +11299,7 @@
               <a:prstGeom prst="rect">
                 <a:avLst/>
               </a:prstGeom>
-              <a:pattFill prst="openDmnd">
+              <a:pattFill prst="lgGrid">
                 <a:fgClr>
                   <a:schemeClr val="tx1"/>
                 </a:fgClr>
@@ -12532,8 +12532,8 @@
           </p:nvSpPr>
           <p:spPr>
             <a:xfrm>
-              <a:off x="5046926" y="474923"/>
-              <a:ext cx="3081293" cy="461665"/>
+              <a:off x="5341300" y="474923"/>
+              <a:ext cx="2412840" cy="461665"/>
             </a:xfrm>
             <a:prstGeom prst="rect">
               <a:avLst/>
@@ -12547,10 +12547,10 @@
             <a:lstStyle/>
             <a:p>
               <a:r>
-                <a:rPr lang="en-US" sz="2400">
+                <a:rPr lang="en-US" sz="2400" dirty="0">
                   <a:latin typeface="Swell Braille" pitchFamily="49"/>
                 </a:rPr>
-                <a:t>⠝⠕⠝⠉⠕⠝⠋⠕⠗⠍⠊⠞⠽</a:t>
+                <a:t>⠝⠕⠝⠉⠕⠝=⠍;y</a:t>
               </a:r>
             </a:p>
           </p:txBody>
@@ -12587,10 +12587,10 @@
           <a:lstStyle/>
           <a:p>
             <a:r>
-              <a:rPr lang="en-US" sz="2400">
+              <a:rPr lang="en-US" sz="2400" dirty="0">
                 <a:latin typeface="Swell Braille" pitchFamily="49"/>
               </a:rPr>
-              <a:t>⠉⠗⠽⠌⠁⠇⠇⠔⠑⠀⠊⠛⠝⠑⠳⠎⠀⠕⠗⠀⠍⠑⠞⠁⠍⠕⠗⠏⠓⠊⠉⠀⠗⠕⠉⠅</a:t>
+              <a:t>⠉⠗⠽⠌⠁⠇⠇⠔⠑⠀⠊⠛⠝⠑⠳⠎⠀⠕⠗⠍⠑⠞⠁⠍⠕⠗⠏⠓⠊⠉⠀⠗⠕⠉⠅</a:t>
             </a:r>
           </a:p>
         </p:txBody>
@@ -15922,7 +15922,7 @@
             <a:prstGeom prst="rect">
               <a:avLst/>
             </a:prstGeom>
-            <a:pattFill prst="openDmnd">
+            <a:pattFill prst="lgGrid">
               <a:fgClr>
                 <a:schemeClr val="tx1"/>
               </a:fgClr>
